--- a/week08_network_forensics/lecture/unit10_networks.pptx
+++ b/week08_network_forensics/lecture/unit10_networks.pptx
@@ -5,7 +5,7 @@
     <p:sldMasterId id="2147483648" r:id="rId1"/>
   </p:sldMasterIdLst>
   <p:notesMasterIdLst>
-    <p:notesMasterId r:id="rId31"/>
+    <p:notesMasterId r:id="rId34"/>
   </p:notesMasterIdLst>
   <p:sldIdLst>
     <p:sldId id="256" r:id="rId2"/>
@@ -37,6 +37,9 @@
     <p:sldId id="298" r:id="rId28"/>
     <p:sldId id="317" r:id="rId29"/>
     <p:sldId id="319" r:id="rId30"/>
+    <p:sldId id="320" r:id="rId31"/>
+    <p:sldId id="322" r:id="rId32"/>
+    <p:sldId id="321" r:id="rId33"/>
   </p:sldIdLst>
   <p:sldSz cx="12192000" cy="6858000"/>
   <p:notesSz cx="6858000" cy="9144000"/>
@@ -225,7 +228,7 @@
           <a:p>
             <a:fld id="{9C28777B-0D96-E849-A49E-CE62BEE51368}" type="datetimeFigureOut">
               <a:rPr lang="en-US" smtClean="0"/>
-              <a:t>7/21/20</a:t>
+              <a:t>11/14/24</a:t>
             </a:fld>
             <a:endParaRPr lang="en-US"/>
           </a:p>
@@ -726,7 +729,7 @@
           <a:p>
             <a:fld id="{1BDF63E9-4DF1-474F-BE4B-468FAC9F57A9}" type="datetimeFigureOut">
               <a:rPr lang="en-US" smtClean="0"/>
-              <a:t>7/21/20</a:t>
+              <a:t>11/14/24</a:t>
             </a:fld>
             <a:endParaRPr lang="en-US"/>
           </a:p>
@@ -926,7 +929,7 @@
           <a:p>
             <a:fld id="{1BDF63E9-4DF1-474F-BE4B-468FAC9F57A9}" type="datetimeFigureOut">
               <a:rPr lang="en-US" smtClean="0"/>
-              <a:t>7/21/20</a:t>
+              <a:t>11/14/24</a:t>
             </a:fld>
             <a:endParaRPr lang="en-US"/>
           </a:p>
@@ -1136,7 +1139,7 @@
           <a:p>
             <a:fld id="{1BDF63E9-4DF1-474F-BE4B-468FAC9F57A9}" type="datetimeFigureOut">
               <a:rPr lang="en-US" smtClean="0"/>
-              <a:t>7/21/20</a:t>
+              <a:t>11/14/24</a:t>
             </a:fld>
             <a:endParaRPr lang="en-US"/>
           </a:p>
@@ -1336,7 +1339,7 @@
           <a:p>
             <a:fld id="{1BDF63E9-4DF1-474F-BE4B-468FAC9F57A9}" type="datetimeFigureOut">
               <a:rPr lang="en-US" smtClean="0"/>
-              <a:t>7/21/20</a:t>
+              <a:t>11/14/24</a:t>
             </a:fld>
             <a:endParaRPr lang="en-US"/>
           </a:p>
@@ -1612,7 +1615,7 @@
           <a:p>
             <a:fld id="{1BDF63E9-4DF1-474F-BE4B-468FAC9F57A9}" type="datetimeFigureOut">
               <a:rPr lang="en-US" smtClean="0"/>
-              <a:t>7/21/20</a:t>
+              <a:t>11/14/24</a:t>
             </a:fld>
             <a:endParaRPr lang="en-US"/>
           </a:p>
@@ -1880,7 +1883,7 @@
           <a:p>
             <a:fld id="{1BDF63E9-4DF1-474F-BE4B-468FAC9F57A9}" type="datetimeFigureOut">
               <a:rPr lang="en-US" smtClean="0"/>
-              <a:t>7/21/20</a:t>
+              <a:t>11/14/24</a:t>
             </a:fld>
             <a:endParaRPr lang="en-US"/>
           </a:p>
@@ -2295,7 +2298,7 @@
           <a:p>
             <a:fld id="{1BDF63E9-4DF1-474F-BE4B-468FAC9F57A9}" type="datetimeFigureOut">
               <a:rPr lang="en-US" smtClean="0"/>
-              <a:t>7/21/20</a:t>
+              <a:t>11/14/24</a:t>
             </a:fld>
             <a:endParaRPr lang="en-US"/>
           </a:p>
@@ -2437,7 +2440,7 @@
           <a:p>
             <a:fld id="{1BDF63E9-4DF1-474F-BE4B-468FAC9F57A9}" type="datetimeFigureOut">
               <a:rPr lang="en-US" smtClean="0"/>
-              <a:t>7/21/20</a:t>
+              <a:t>11/14/24</a:t>
             </a:fld>
             <a:endParaRPr lang="en-US"/>
           </a:p>
@@ -2550,7 +2553,7 @@
           <a:p>
             <a:fld id="{1BDF63E9-4DF1-474F-BE4B-468FAC9F57A9}" type="datetimeFigureOut">
               <a:rPr lang="en-US" smtClean="0"/>
-              <a:t>7/21/20</a:t>
+              <a:t>11/14/24</a:t>
             </a:fld>
             <a:endParaRPr lang="en-US"/>
           </a:p>
@@ -2863,7 +2866,7 @@
           <a:p>
             <a:fld id="{1BDF63E9-4DF1-474F-BE4B-468FAC9F57A9}" type="datetimeFigureOut">
               <a:rPr lang="en-US" smtClean="0"/>
-              <a:t>7/21/20</a:t>
+              <a:t>11/14/24</a:t>
             </a:fld>
             <a:endParaRPr lang="en-US"/>
           </a:p>
@@ -3152,7 +3155,7 @@
           <a:p>
             <a:fld id="{1BDF63E9-4DF1-474F-BE4B-468FAC9F57A9}" type="datetimeFigureOut">
               <a:rPr lang="en-US" smtClean="0"/>
-              <a:t>7/21/20</a:t>
+              <a:t>11/14/24</a:t>
             </a:fld>
             <a:endParaRPr lang="en-US"/>
           </a:p>
@@ -3395,7 +3398,7 @@
           <a:p>
             <a:fld id="{1BDF63E9-4DF1-474F-BE4B-468FAC9F57A9}" type="datetimeFigureOut">
               <a:rPr lang="en-US" smtClean="0"/>
-              <a:t>7/21/20</a:t>
+              <a:t>11/14/24</a:t>
             </a:fld>
             <a:endParaRPr lang="en-US"/>
           </a:p>
@@ -4366,6 +4369,36 @@
           </a:fontRef>
         </p:style>
       </p:cxnSp>
+      <p:pic>
+        <p:nvPicPr>
+          <p:cNvPr id="5" name="Picture 4" descr="A screenshot of a computer&#10;&#10;Description automatically generated">
+            <a:extLst>
+              <a:ext uri="{FF2B5EF4-FFF2-40B4-BE49-F238E27FC236}">
+                <a16:creationId xmlns:a16="http://schemas.microsoft.com/office/drawing/2014/main" id="{F1273B4A-F760-35F8-B2D8-470E3EDC9821}"/>
+              </a:ext>
+            </a:extLst>
+          </p:cNvPr>
+          <p:cNvPicPr>
+            <a:picLocks noChangeAspect="1"/>
+          </p:cNvPicPr>
+          <p:nvPr/>
+        </p:nvPicPr>
+        <p:blipFill>
+          <a:blip r:embed="rId3"/>
+          <a:stretch>
+            <a:fillRect/>
+          </a:stretch>
+        </p:blipFill>
+        <p:spPr>
+          <a:xfrm>
+            <a:off x="1942968" y="0"/>
+            <a:ext cx="7290741" cy="6858000"/>
+          </a:xfrm>
+          <a:prstGeom prst="rect">
+            <a:avLst/>
+          </a:prstGeom>
+        </p:spPr>
+      </p:pic>
     </p:spTree>
     <p:extLst>
       <p:ext uri="{BB962C8B-B14F-4D97-AF65-F5344CB8AC3E}">
@@ -4376,6 +4409,127 @@
   <p:clrMapOvr>
     <a:masterClrMapping/>
   </p:clrMapOvr>
+  <p:timing>
+    <p:tnLst>
+      <p:par>
+        <p:cTn id="1" dur="indefinite" restart="never" nodeType="tmRoot">
+          <p:childTnLst>
+            <p:seq concurrent="1" nextAc="seek">
+              <p:cTn id="2" dur="indefinite" nodeType="mainSeq">
+                <p:childTnLst>
+                  <p:par>
+                    <p:cTn id="3" fill="hold">
+                      <p:stCondLst>
+                        <p:cond delay="indefinite"/>
+                      </p:stCondLst>
+                      <p:childTnLst>
+                        <p:par>
+                          <p:cTn id="4" fill="hold">
+                            <p:stCondLst>
+                              <p:cond delay="0"/>
+                            </p:stCondLst>
+                            <p:childTnLst>
+                              <p:par>
+                                <p:cTn id="5" presetID="2" presetClass="entr" presetSubtype="4" fill="hold" nodeType="clickEffect">
+                                  <p:stCondLst>
+                                    <p:cond delay="0"/>
+                                  </p:stCondLst>
+                                  <p:childTnLst>
+                                    <p:set>
+                                      <p:cBhvr>
+                                        <p:cTn id="6" dur="1" fill="hold">
+                                          <p:stCondLst>
+                                            <p:cond delay="0"/>
+                                          </p:stCondLst>
+                                        </p:cTn>
+                                        <p:tgtEl>
+                                          <p:spTgt spid="5"/>
+                                        </p:tgtEl>
+                                        <p:attrNameLst>
+                                          <p:attrName>style.visibility</p:attrName>
+                                        </p:attrNameLst>
+                                      </p:cBhvr>
+                                      <p:to>
+                                        <p:strVal val="visible"/>
+                                      </p:to>
+                                    </p:set>
+                                    <p:anim calcmode="lin" valueType="num">
+                                      <p:cBhvr additive="base">
+                                        <p:cTn id="7" dur="500" fill="hold"/>
+                                        <p:tgtEl>
+                                          <p:spTgt spid="5"/>
+                                        </p:tgtEl>
+                                        <p:attrNameLst>
+                                          <p:attrName>ppt_x</p:attrName>
+                                        </p:attrNameLst>
+                                      </p:cBhvr>
+                                      <p:tavLst>
+                                        <p:tav tm="0">
+                                          <p:val>
+                                            <p:strVal val="#ppt_x"/>
+                                          </p:val>
+                                        </p:tav>
+                                        <p:tav tm="100000">
+                                          <p:val>
+                                            <p:strVal val="#ppt_x"/>
+                                          </p:val>
+                                        </p:tav>
+                                      </p:tavLst>
+                                    </p:anim>
+                                    <p:anim calcmode="lin" valueType="num">
+                                      <p:cBhvr additive="base">
+                                        <p:cTn id="8" dur="500" fill="hold"/>
+                                        <p:tgtEl>
+                                          <p:spTgt spid="5"/>
+                                        </p:tgtEl>
+                                        <p:attrNameLst>
+                                          <p:attrName>ppt_y</p:attrName>
+                                        </p:attrNameLst>
+                                      </p:cBhvr>
+                                      <p:tavLst>
+                                        <p:tav tm="0">
+                                          <p:val>
+                                            <p:strVal val="1+#ppt_h/2"/>
+                                          </p:val>
+                                        </p:tav>
+                                        <p:tav tm="100000">
+                                          <p:val>
+                                            <p:strVal val="#ppt_y"/>
+                                          </p:val>
+                                        </p:tav>
+                                      </p:tavLst>
+                                    </p:anim>
+                                  </p:childTnLst>
+                                </p:cTn>
+                              </p:par>
+                            </p:childTnLst>
+                          </p:cTn>
+                        </p:par>
+                      </p:childTnLst>
+                    </p:cTn>
+                  </p:par>
+                </p:childTnLst>
+              </p:cTn>
+              <p:prevCondLst>
+                <p:cond evt="onPrev" delay="0">
+                  <p:tgtEl>
+                    <p:sldTgt/>
+                  </p:tgtEl>
+                </p:cond>
+              </p:prevCondLst>
+              <p:nextCondLst>
+                <p:cond evt="onNext" delay="0">
+                  <p:tgtEl>
+                    <p:sldTgt/>
+                  </p:tgtEl>
+                </p:cond>
+              </p:nextCondLst>
+            </p:seq>
+          </p:childTnLst>
+        </p:cTn>
+      </p:par>
+    </p:tnLst>
+  </p:timing>
 </p:sld>
 </file>
 
@@ -12710,7 +12864,7 @@
                 <a:latin typeface="Arial" panose="020B0604020202020204" pitchFamily="34" charset="0"/>
                 <a:cs typeface="Arial" panose="020B0604020202020204" pitchFamily="34" charset="0"/>
               </a:rPr>
-              <a:t>Network Forensics and Protocols</a:t>
+              <a:t>Filters and Regular Expressions</a:t>
             </a:r>
           </a:p>
         </p:txBody>
@@ -13830,6 +13984,1262 @@
     <p:extLst>
       <p:ext uri="{BB962C8B-B14F-4D97-AF65-F5344CB8AC3E}">
         <p14:creationId xmlns:p14="http://schemas.microsoft.com/office/powerpoint/2010/main" val="1760023415"/>
+      </p:ext>
+    </p:extLst>
+  </p:cSld>
+  <p:clrMapOvr>
+    <a:masterClrMapping/>
+  </p:clrMapOvr>
+</p:sld>
+</file>
+
+<file path=ppt/slides/slide30.xml><?xml version="1.0" encoding="utf-8"?>
+<p:sld xmlns:a="http://schemas.openxmlformats.org/drawingml/2006/main" xmlns:r="http://schemas.openxmlformats.org/officeDocument/2006/relationships" xmlns:p="http://schemas.openxmlformats.org/presentationml/2006/main">
+  <p:cSld>
+    <p:spTree>
+      <p:nvGrpSpPr>
+        <p:cNvPr id="1" name="">
+          <a:extLst>
+            <a:ext uri="{FF2B5EF4-FFF2-40B4-BE49-F238E27FC236}">
+              <a16:creationId xmlns:a16="http://schemas.microsoft.com/office/drawing/2014/main" id="{73C292BB-F956-271A-9A52-47D35A107420}"/>
+            </a:ext>
+          </a:extLst>
+        </p:cNvPr>
+        <p:cNvGrpSpPr/>
+        <p:nvPr/>
+      </p:nvGrpSpPr>
+      <p:grpSpPr>
+        <a:xfrm>
+          <a:off x="0" y="0"/>
+          <a:ext cx="0" cy="0"/>
+          <a:chOff x="0" y="0"/>
+          <a:chExt cx="0" cy="0"/>
+        </a:xfrm>
+      </p:grpSpPr>
+      <p:pic>
+        <p:nvPicPr>
+          <p:cNvPr id="7" name="Picture 2" descr="geometric shape digital wallpaper">
+            <a:extLst>
+              <a:ext uri="{FF2B5EF4-FFF2-40B4-BE49-F238E27FC236}">
+                <a16:creationId xmlns:a16="http://schemas.microsoft.com/office/drawing/2014/main" id="{55D08AC7-CD08-CD07-16C4-0E39A41FE2E2}"/>
+              </a:ext>
+            </a:extLst>
+          </p:cNvPr>
+          <p:cNvPicPr>
+            <a:picLocks noChangeAspect="1" noChangeArrowheads="1"/>
+          </p:cNvPicPr>
+          <p:nvPr/>
+        </p:nvPicPr>
+        <p:blipFill rotWithShape="1">
+          <a:blip r:embed="rId2">
+            <a:extLst>
+              <a:ext uri="{28A0092B-C50C-407E-A947-70E740481C1C}">
+                <a14:useLocalDpi xmlns:a14="http://schemas.microsoft.com/office/drawing/2010/main" val="0"/>
+              </a:ext>
+            </a:extLst>
+          </a:blip>
+          <a:srcRect l="25043" r="5916"/>
+          <a:stretch/>
+        </p:blipFill>
+        <p:spPr bwMode="auto">
+          <a:xfrm>
+            <a:off x="5878849" y="10"/>
+            <a:ext cx="6313150" cy="6857987"/>
+          </a:xfrm>
+          <a:custGeom>
+            <a:avLst/>
+            <a:gdLst/>
+            <a:ahLst/>
+            <a:cxnLst/>
+            <a:rect l="l" t="t" r="r" b="b"/>
+            <a:pathLst>
+              <a:path w="6313150" h="6857997">
+                <a:moveTo>
+                  <a:pt x="65565" y="0"/>
+                </a:moveTo>
+                <a:lnTo>
+                  <a:pt x="6313150" y="0"/>
+                </a:lnTo>
+                <a:lnTo>
+                  <a:pt x="6313150" y="6857997"/>
+                </a:lnTo>
+                <a:lnTo>
+                  <a:pt x="3293946" y="6857997"/>
+                </a:lnTo>
+                <a:lnTo>
+                  <a:pt x="3235857" y="6823061"/>
+                </a:lnTo>
+                <a:cubicBezTo>
+                  <a:pt x="1291240" y="5592803"/>
+                  <a:pt x="0" y="3423096"/>
+                  <a:pt x="0" y="951803"/>
+                </a:cubicBezTo>
+                <a:cubicBezTo>
+                  <a:pt x="0" y="727140"/>
+                  <a:pt x="10673" y="504970"/>
+                  <a:pt x="31536" y="285771"/>
+                </a:cubicBezTo>
+                <a:close/>
+              </a:path>
+            </a:pathLst>
+          </a:custGeom>
+          <a:noFill/>
+          <a:extLst>
+            <a:ext uri="{909E8E84-426E-40DD-AFC4-6F175D3DCCD1}">
+              <a14:hiddenFill xmlns:a14="http://schemas.microsoft.com/office/drawing/2010/main">
+                <a:solidFill>
+                  <a:srgbClr val="FFFFFF"/>
+                </a:solidFill>
+              </a14:hiddenFill>
+            </a:ext>
+          </a:extLst>
+        </p:spPr>
+      </p:pic>
+      <p:sp>
+        <p:nvSpPr>
+          <p:cNvPr id="2" name="Title 1">
+            <a:extLst>
+              <a:ext uri="{FF2B5EF4-FFF2-40B4-BE49-F238E27FC236}">
+                <a16:creationId xmlns:a16="http://schemas.microsoft.com/office/drawing/2014/main" id="{D3FBFEC0-B65D-2D4B-41FF-3EF33CB6F893}"/>
+              </a:ext>
+            </a:extLst>
+          </p:cNvPr>
+          <p:cNvSpPr>
+            <a:spLocks noGrp="1"/>
+          </p:cNvSpPr>
+          <p:nvPr>
+            <p:ph type="title"/>
+          </p:nvPr>
+        </p:nvSpPr>
+        <p:spPr/>
+        <p:txBody>
+          <a:bodyPr/>
+          <a:lstStyle/>
+          <a:p>
+            <a:endParaRPr lang="en-US"/>
+          </a:p>
+        </p:txBody>
+      </p:sp>
+      <p:pic>
+        <p:nvPicPr>
+          <p:cNvPr id="10" name="Content Placeholder 9" descr="A screenshot of a computer program&#10;&#10;Description automatically generated">
+            <a:extLst>
+              <a:ext uri="{FF2B5EF4-FFF2-40B4-BE49-F238E27FC236}">
+                <a16:creationId xmlns:a16="http://schemas.microsoft.com/office/drawing/2014/main" id="{89E0D9C3-2A3E-7C64-E371-CD821ED8130F}"/>
+              </a:ext>
+            </a:extLst>
+          </p:cNvPr>
+          <p:cNvPicPr>
+            <a:picLocks noGrp="1" noChangeAspect="1"/>
+          </p:cNvPicPr>
+          <p:nvPr>
+            <p:ph idx="1"/>
+          </p:nvPr>
+        </p:nvPicPr>
+        <p:blipFill>
+          <a:blip r:embed="rId3"/>
+          <a:stretch>
+            <a:fillRect/>
+          </a:stretch>
+        </p:blipFill>
+        <p:spPr>
+          <a:xfrm>
+            <a:off x="2526322" y="315668"/>
+            <a:ext cx="8827478" cy="6300228"/>
+          </a:xfrm>
+        </p:spPr>
+      </p:pic>
+      <p:sp>
+        <p:nvSpPr>
+          <p:cNvPr id="6" name="Shape 345">
+            <a:extLst>
+              <a:ext uri="{FF2B5EF4-FFF2-40B4-BE49-F238E27FC236}">
+                <a16:creationId xmlns:a16="http://schemas.microsoft.com/office/drawing/2014/main" id="{6A9FA346-6A79-4DEA-6F49-CD24100A430B}"/>
+              </a:ext>
+            </a:extLst>
+          </p:cNvPr>
+          <p:cNvSpPr txBox="1">
+            <a:spLocks/>
+          </p:cNvSpPr>
+          <p:nvPr/>
+        </p:nvSpPr>
+        <p:spPr>
+          <a:xfrm>
+            <a:off x="0" y="0"/>
+            <a:ext cx="10515600" cy="866267"/>
+          </a:xfrm>
+          <a:prstGeom prst="rect">
+            <a:avLst/>
+          </a:prstGeom>
+        </p:spPr>
+        <p:txBody>
+          <a:bodyPr vert="horz" lIns="91440" tIns="45720" rIns="91440" bIns="45720" rtlCol="0" anchor="ctr">
+            <a:normAutofit/>
+          </a:bodyPr>
+          <a:lstStyle>
+            <a:lvl1pPr algn="l" defTabSz="914400" rtl="0" eaLnBrk="1" latinLnBrk="0" hangingPunct="1">
+              <a:lnSpc>
+                <a:spcPct val="90000"/>
+              </a:lnSpc>
+              <a:spcBef>
+                <a:spcPct val="0"/>
+              </a:spcBef>
+              <a:buNone/>
+              <a:defRPr sz="4400" kern="1200">
+                <a:solidFill>
+                  <a:schemeClr val="tx1"/>
+                </a:solidFill>
+                <a:latin typeface="+mj-lt"/>
+                <a:ea typeface="+mj-ea"/>
+                <a:cs typeface="+mj-cs"/>
+              </a:defRPr>
+            </a:lvl1pPr>
+          </a:lstStyle>
+          <a:p>
+            <a:r>
+              <a:rPr lang="en-US" b="1" dirty="0">
+                <a:solidFill>
+                  <a:srgbClr val="C00000"/>
+                </a:solidFill>
+              </a:rPr>
+              <a:t>Filters</a:t>
+            </a:r>
+          </a:p>
+        </p:txBody>
+      </p:sp>
+      <p:sp>
+        <p:nvSpPr>
+          <p:cNvPr id="11" name="Rectangle 10">
+            <a:hlinkClick r:id="rId4"/>
+            <a:extLst>
+              <a:ext uri="{FF2B5EF4-FFF2-40B4-BE49-F238E27FC236}">
+                <a16:creationId xmlns:a16="http://schemas.microsoft.com/office/drawing/2014/main" id="{BD665EE1-FAE8-E161-E5AA-1124B8A92E08}"/>
+              </a:ext>
+            </a:extLst>
+          </p:cNvPr>
+          <p:cNvSpPr/>
+          <p:nvPr/>
+        </p:nvSpPr>
+        <p:spPr>
+          <a:xfrm>
+            <a:off x="243079" y="6048192"/>
+            <a:ext cx="1070498" cy="492369"/>
+          </a:xfrm>
+          <a:prstGeom prst="rect">
+            <a:avLst/>
+          </a:prstGeom>
+        </p:spPr>
+        <p:style>
+          <a:lnRef idx="2">
+            <a:schemeClr val="accent1">
+              <a:shade val="50000"/>
+            </a:schemeClr>
+          </a:lnRef>
+          <a:fillRef idx="1">
+            <a:schemeClr val="accent1"/>
+          </a:fillRef>
+          <a:effectRef idx="0">
+            <a:schemeClr val="accent1"/>
+          </a:effectRef>
+          <a:fontRef idx="minor">
+            <a:schemeClr val="lt1"/>
+          </a:fontRef>
+        </p:style>
+        <p:txBody>
+          <a:bodyPr rtlCol="0" anchor="ctr"/>
+          <a:lstStyle/>
+          <a:p>
+            <a:pPr algn="ctr"/>
+            <a:r>
+              <a:rPr lang="en-US" dirty="0">
+                <a:hlinkClick r:id="rId5"/>
+              </a:rPr>
+              <a:t>Filters</a:t>
+            </a:r>
+            <a:endParaRPr lang="en-US" dirty="0"/>
+          </a:p>
+        </p:txBody>
+      </p:sp>
+    </p:spTree>
+    <p:extLst>
+      <p:ext uri="{BB962C8B-B14F-4D97-AF65-F5344CB8AC3E}">
+        <p14:creationId xmlns:p14="http://schemas.microsoft.com/office/powerpoint/2010/main" val="652450640"/>
+      </p:ext>
+    </p:extLst>
+  </p:cSld>
+  <p:clrMapOvr>
+    <a:masterClrMapping/>
+  </p:clrMapOvr>
+</p:sld>
+</file>
+
+<file path=ppt/slides/slide31.xml><?xml version="1.0" encoding="utf-8"?>
+<p:sld xmlns:a="http://schemas.openxmlformats.org/drawingml/2006/main" xmlns:r="http://schemas.openxmlformats.org/officeDocument/2006/relationships" xmlns:p="http://schemas.openxmlformats.org/presentationml/2006/main">
+  <p:cSld>
+    <p:spTree>
+      <p:nvGrpSpPr>
+        <p:cNvPr id="1" name="">
+          <a:extLst>
+            <a:ext uri="{FF2B5EF4-FFF2-40B4-BE49-F238E27FC236}">
+              <a16:creationId xmlns:a16="http://schemas.microsoft.com/office/drawing/2014/main" id="{9994DE49-40E8-16D6-BAC7-8C4EC19BC406}"/>
+            </a:ext>
+          </a:extLst>
+        </p:cNvPr>
+        <p:cNvGrpSpPr/>
+        <p:nvPr/>
+      </p:nvGrpSpPr>
+      <p:grpSpPr>
+        <a:xfrm>
+          <a:off x="0" y="0"/>
+          <a:ext cx="0" cy="0"/>
+          <a:chOff x="0" y="0"/>
+          <a:chExt cx="0" cy="0"/>
+        </a:xfrm>
+      </p:grpSpPr>
+      <p:pic>
+        <p:nvPicPr>
+          <p:cNvPr id="7" name="Picture 2" descr="geometric shape digital wallpaper">
+            <a:extLst>
+              <a:ext uri="{FF2B5EF4-FFF2-40B4-BE49-F238E27FC236}">
+                <a16:creationId xmlns:a16="http://schemas.microsoft.com/office/drawing/2014/main" id="{80DFE337-6066-DE5D-C26D-FC30F1A380DA}"/>
+              </a:ext>
+            </a:extLst>
+          </p:cNvPr>
+          <p:cNvPicPr>
+            <a:picLocks noChangeAspect="1" noChangeArrowheads="1"/>
+          </p:cNvPicPr>
+          <p:nvPr/>
+        </p:nvPicPr>
+        <p:blipFill rotWithShape="1">
+          <a:blip r:embed="rId2">
+            <a:extLst>
+              <a:ext uri="{28A0092B-C50C-407E-A947-70E740481C1C}">
+                <a14:useLocalDpi xmlns:a14="http://schemas.microsoft.com/office/drawing/2010/main" val="0"/>
+              </a:ext>
+            </a:extLst>
+          </a:blip>
+          <a:srcRect l="25043" r="5916"/>
+          <a:stretch/>
+        </p:blipFill>
+        <p:spPr bwMode="auto">
+          <a:xfrm>
+            <a:off x="5878849" y="10"/>
+            <a:ext cx="6313150" cy="6857987"/>
+          </a:xfrm>
+          <a:custGeom>
+            <a:avLst/>
+            <a:gdLst/>
+            <a:ahLst/>
+            <a:cxnLst/>
+            <a:rect l="l" t="t" r="r" b="b"/>
+            <a:pathLst>
+              <a:path w="6313150" h="6857997">
+                <a:moveTo>
+                  <a:pt x="65565" y="0"/>
+                </a:moveTo>
+                <a:lnTo>
+                  <a:pt x="6313150" y="0"/>
+                </a:lnTo>
+                <a:lnTo>
+                  <a:pt x="6313150" y="6857997"/>
+                </a:lnTo>
+                <a:lnTo>
+                  <a:pt x="3293946" y="6857997"/>
+                </a:lnTo>
+                <a:lnTo>
+                  <a:pt x="3235857" y="6823061"/>
+                </a:lnTo>
+                <a:cubicBezTo>
+                  <a:pt x="1291240" y="5592803"/>
+                  <a:pt x="0" y="3423096"/>
+                  <a:pt x="0" y="951803"/>
+                </a:cubicBezTo>
+                <a:cubicBezTo>
+                  <a:pt x="0" y="727140"/>
+                  <a:pt x="10673" y="504970"/>
+                  <a:pt x="31536" y="285771"/>
+                </a:cubicBezTo>
+                <a:close/>
+              </a:path>
+            </a:pathLst>
+          </a:custGeom>
+          <a:noFill/>
+          <a:extLst>
+            <a:ext uri="{909E8E84-426E-40DD-AFC4-6F175D3DCCD1}">
+              <a14:hiddenFill xmlns:a14="http://schemas.microsoft.com/office/drawing/2010/main">
+                <a:solidFill>
+                  <a:srgbClr val="FFFFFF"/>
+                </a:solidFill>
+              </a14:hiddenFill>
+            </a:ext>
+          </a:extLst>
+        </p:spPr>
+      </p:pic>
+      <p:sp>
+        <p:nvSpPr>
+          <p:cNvPr id="2" name="Title 1">
+            <a:extLst>
+              <a:ext uri="{FF2B5EF4-FFF2-40B4-BE49-F238E27FC236}">
+                <a16:creationId xmlns:a16="http://schemas.microsoft.com/office/drawing/2014/main" id="{7648238E-CD9F-382D-D1DD-FCB958D9AC51}"/>
+              </a:ext>
+            </a:extLst>
+          </p:cNvPr>
+          <p:cNvSpPr>
+            <a:spLocks noGrp="1"/>
+          </p:cNvSpPr>
+          <p:nvPr>
+            <p:ph type="title"/>
+          </p:nvPr>
+        </p:nvSpPr>
+        <p:spPr/>
+        <p:txBody>
+          <a:bodyPr/>
+          <a:lstStyle/>
+          <a:p>
+            <a:endParaRPr lang="en-US"/>
+          </a:p>
+        </p:txBody>
+      </p:sp>
+      <p:sp>
+        <p:nvSpPr>
+          <p:cNvPr id="6" name="Shape 345">
+            <a:extLst>
+              <a:ext uri="{FF2B5EF4-FFF2-40B4-BE49-F238E27FC236}">
+                <a16:creationId xmlns:a16="http://schemas.microsoft.com/office/drawing/2014/main" id="{7E22AABA-7473-E14F-4850-F0581BF33F25}"/>
+              </a:ext>
+            </a:extLst>
+          </p:cNvPr>
+          <p:cNvSpPr txBox="1">
+            <a:spLocks/>
+          </p:cNvSpPr>
+          <p:nvPr/>
+        </p:nvSpPr>
+        <p:spPr>
+          <a:xfrm>
+            <a:off x="0" y="0"/>
+            <a:ext cx="10515600" cy="866267"/>
+          </a:xfrm>
+          <a:prstGeom prst="rect">
+            <a:avLst/>
+          </a:prstGeom>
+        </p:spPr>
+        <p:txBody>
+          <a:bodyPr vert="horz" lIns="91440" tIns="45720" rIns="91440" bIns="45720" rtlCol="0" anchor="ctr">
+            <a:normAutofit/>
+          </a:bodyPr>
+          <a:lstStyle>
+            <a:lvl1pPr algn="l" defTabSz="914400" rtl="0" eaLnBrk="1" latinLnBrk="0" hangingPunct="1">
+              <a:lnSpc>
+                <a:spcPct val="90000"/>
+              </a:lnSpc>
+              <a:spcBef>
+                <a:spcPct val="0"/>
+              </a:spcBef>
+              <a:buNone/>
+              <a:defRPr sz="4400" kern="1200">
+                <a:solidFill>
+                  <a:schemeClr val="tx1"/>
+                </a:solidFill>
+                <a:latin typeface="+mj-lt"/>
+                <a:ea typeface="+mj-ea"/>
+                <a:cs typeface="+mj-cs"/>
+              </a:defRPr>
+            </a:lvl1pPr>
+          </a:lstStyle>
+          <a:p>
+            <a:r>
+              <a:rPr lang="en-US" b="1" dirty="0">
+                <a:solidFill>
+                  <a:srgbClr val="C00000"/>
+                </a:solidFill>
+              </a:rPr>
+              <a:t>Filters</a:t>
+            </a:r>
+          </a:p>
+        </p:txBody>
+      </p:sp>
+      <p:sp>
+        <p:nvSpPr>
+          <p:cNvPr id="11" name="Rectangle 10">
+            <a:hlinkClick r:id="rId3"/>
+            <a:extLst>
+              <a:ext uri="{FF2B5EF4-FFF2-40B4-BE49-F238E27FC236}">
+                <a16:creationId xmlns:a16="http://schemas.microsoft.com/office/drawing/2014/main" id="{FB5411B6-9AA9-32E2-F813-867AD526CD86}"/>
+              </a:ext>
+            </a:extLst>
+          </p:cNvPr>
+          <p:cNvSpPr/>
+          <p:nvPr/>
+        </p:nvSpPr>
+        <p:spPr>
+          <a:xfrm>
+            <a:off x="243079" y="6048192"/>
+            <a:ext cx="1070498" cy="492369"/>
+          </a:xfrm>
+          <a:prstGeom prst="rect">
+            <a:avLst/>
+          </a:prstGeom>
+        </p:spPr>
+        <p:style>
+          <a:lnRef idx="2">
+            <a:schemeClr val="accent1">
+              <a:shade val="50000"/>
+            </a:schemeClr>
+          </a:lnRef>
+          <a:fillRef idx="1">
+            <a:schemeClr val="accent1"/>
+          </a:fillRef>
+          <a:effectRef idx="0">
+            <a:schemeClr val="accent1"/>
+          </a:effectRef>
+          <a:fontRef idx="minor">
+            <a:schemeClr val="lt1"/>
+          </a:fontRef>
+        </p:style>
+        <p:txBody>
+          <a:bodyPr rtlCol="0" anchor="ctr"/>
+          <a:lstStyle/>
+          <a:p>
+            <a:pPr algn="ctr"/>
+            <a:r>
+              <a:rPr lang="en-US" dirty="0">
+                <a:hlinkClick r:id="rId4"/>
+              </a:rPr>
+              <a:t>Filters</a:t>
+            </a:r>
+            <a:endParaRPr lang="en-US" dirty="0"/>
+          </a:p>
+        </p:txBody>
+      </p:sp>
+      <p:sp>
+        <p:nvSpPr>
+          <p:cNvPr id="4" name="Content Placeholder 3">
+            <a:extLst>
+              <a:ext uri="{FF2B5EF4-FFF2-40B4-BE49-F238E27FC236}">
+                <a16:creationId xmlns:a16="http://schemas.microsoft.com/office/drawing/2014/main" id="{88E0CFD6-C14B-77C7-7288-F8542550AF57}"/>
+              </a:ext>
+            </a:extLst>
+          </p:cNvPr>
+          <p:cNvSpPr>
+            <a:spLocks noGrp="1"/>
+          </p:cNvSpPr>
+          <p:nvPr>
+            <p:ph idx="1"/>
+          </p:nvPr>
+        </p:nvSpPr>
+        <p:spPr>
+          <a:xfrm>
+            <a:off x="334107" y="1860794"/>
+            <a:ext cx="10515600" cy="4351338"/>
+          </a:xfrm>
+        </p:spPr>
+        <p:txBody>
+          <a:bodyPr/>
+          <a:lstStyle/>
+          <a:p>
+            <a:r>
+              <a:rPr lang="en-GB" dirty="0" err="1"/>
+              <a:t>tcp.flags.syn</a:t>
+            </a:r>
+            <a:r>
+              <a:rPr lang="en-GB" dirty="0"/>
+              <a:t>==1</a:t>
+            </a:r>
+          </a:p>
+          <a:p>
+            <a:r>
+              <a:rPr lang="en-GB" dirty="0" err="1"/>
+              <a:t>tcp.flags.syn</a:t>
+            </a:r>
+            <a:r>
+              <a:rPr lang="en-GB" dirty="0"/>
+              <a:t>==1 &amp;&amp; </a:t>
+            </a:r>
+            <a:r>
+              <a:rPr lang="en-GB" dirty="0" err="1"/>
+              <a:t>tcp.flags.ack</a:t>
+            </a:r>
+            <a:r>
+              <a:rPr lang="en-GB" dirty="0"/>
+              <a:t>==0</a:t>
+            </a:r>
+          </a:p>
+          <a:p>
+            <a:r>
+              <a:rPr lang="en-GB" dirty="0" err="1"/>
+              <a:t>http.request.method</a:t>
+            </a:r>
+            <a:r>
+              <a:rPr lang="en-GB" dirty="0"/>
+              <a:t>=="GET”</a:t>
+            </a:r>
+          </a:p>
+          <a:p>
+            <a:r>
+              <a:rPr lang="en-GB" dirty="0" err="1"/>
+              <a:t>udp.port</a:t>
+            </a:r>
+            <a:r>
+              <a:rPr lang="en-GB" dirty="0"/>
+              <a:t>==53</a:t>
+            </a:r>
+            <a:endParaRPr lang="en-US" dirty="0"/>
+          </a:p>
+        </p:txBody>
+      </p:sp>
+    </p:spTree>
+    <p:extLst>
+      <p:ext uri="{BB962C8B-B14F-4D97-AF65-F5344CB8AC3E}">
+        <p14:creationId xmlns:p14="http://schemas.microsoft.com/office/powerpoint/2010/main" val="1081220462"/>
+      </p:ext>
+    </p:extLst>
+  </p:cSld>
+  <p:clrMapOvr>
+    <a:masterClrMapping/>
+  </p:clrMapOvr>
+</p:sld>
+</file>
+
+<file path=ppt/slides/slide32.xml><?xml version="1.0" encoding="utf-8"?>
+<p:sld xmlns:a="http://schemas.openxmlformats.org/drawingml/2006/main" xmlns:r="http://schemas.openxmlformats.org/officeDocument/2006/relationships" xmlns:p="http://schemas.openxmlformats.org/presentationml/2006/main">
+  <p:cSld>
+    <p:bg>
+      <p:bgPr>
+        <a:solidFill>
+          <a:schemeClr val="bg1"/>
+        </a:solidFill>
+        <a:effectLst/>
+      </p:bgPr>
+    </p:bg>
+    <p:spTree>
+      <p:nvGrpSpPr>
+        <p:cNvPr id="1" name="">
+          <a:extLst>
+            <a:ext uri="{FF2B5EF4-FFF2-40B4-BE49-F238E27FC236}">
+              <a16:creationId xmlns:a16="http://schemas.microsoft.com/office/drawing/2014/main" id="{BDC77668-9853-1F09-0860-C72AA29CB042}"/>
+            </a:ext>
+          </a:extLst>
+        </p:cNvPr>
+        <p:cNvGrpSpPr/>
+        <p:nvPr/>
+      </p:nvGrpSpPr>
+      <p:grpSpPr>
+        <a:xfrm>
+          <a:off x="0" y="0"/>
+          <a:ext cx="0" cy="0"/>
+          <a:chOff x="0" y="0"/>
+          <a:chExt cx="0" cy="0"/>
+        </a:xfrm>
+      </p:grpSpPr>
+      <p:sp>
+        <p:nvSpPr>
+          <p:cNvPr id="9" name="Rectangle 8">
+            <a:extLst>
+              <a:ext uri="{FF2B5EF4-FFF2-40B4-BE49-F238E27FC236}">
+                <a16:creationId xmlns:a16="http://schemas.microsoft.com/office/drawing/2014/main" id="{FBAD92AF-695F-A01E-48C4-8ACCD702DD74}"/>
+              </a:ext>
+              <a:ext uri="{C183D7F6-B498-43B3-948B-1728B52AA6E4}">
+                <adec:decorative xmlns:adec="http://schemas.microsoft.com/office/drawing/2017/decorative" val="1"/>
+              </a:ext>
+            </a:extLst>
+          </p:cNvPr>
+          <p:cNvSpPr>
+            <a:spLocks noGrp="1" noRot="1" noChangeAspect="1" noMove="1" noResize="1" noEditPoints="1" noAdjustHandles="1" noChangeArrowheads="1" noChangeShapeType="1" noTextEdit="1"/>
+          </p:cNvSpPr>
+          <p:nvPr>
+            <p:extLst>
+              <p:ext uri="{386F3935-93C4-4BCD-93E2-E3B085C9AB24}">
+                <p16:designElem xmlns:p16="http://schemas.microsoft.com/office/powerpoint/2015/main" val="1"/>
+              </p:ext>
+            </p:extLst>
+          </p:nvPr>
+        </p:nvSpPr>
+        <p:spPr>
+          <a:xfrm>
+            <a:off x="0" y="0"/>
+            <a:ext cx="12192000" cy="6858000"/>
+          </a:xfrm>
+          <a:prstGeom prst="rect">
+            <a:avLst/>
+          </a:prstGeom>
+          <a:solidFill>
+            <a:schemeClr val="tx1">
+              <a:lumMod val="75000"/>
+              <a:lumOff val="25000"/>
+            </a:schemeClr>
+          </a:solidFill>
+          <a:ln>
+            <a:noFill/>
+          </a:ln>
+        </p:spPr>
+        <p:style>
+          <a:lnRef idx="2">
+            <a:schemeClr val="accent1">
+              <a:shade val="50000"/>
+            </a:schemeClr>
+          </a:lnRef>
+          <a:fillRef idx="1">
+            <a:schemeClr val="accent1"/>
+          </a:fillRef>
+          <a:effectRef idx="0">
+            <a:schemeClr val="accent1"/>
+          </a:effectRef>
+          <a:fontRef idx="minor">
+            <a:schemeClr val="lt1"/>
+          </a:fontRef>
+        </p:style>
+        <p:txBody>
+          <a:bodyPr rtlCol="0" anchor="ctr"/>
+          <a:lstStyle/>
+          <a:p>
+            <a:pPr marL="0" marR="0" lvl="0" indent="0" algn="ctr" defTabSz="914400" rtl="0" eaLnBrk="1" fontAlgn="auto" latinLnBrk="0" hangingPunct="1">
+              <a:lnSpc>
+                <a:spcPct val="100000"/>
+              </a:lnSpc>
+              <a:spcBef>
+                <a:spcPts val="0"/>
+              </a:spcBef>
+              <a:spcAft>
+                <a:spcPts val="0"/>
+              </a:spcAft>
+              <a:buClrTx/>
+              <a:buSzTx/>
+              <a:buFontTx/>
+              <a:buNone/>
+              <a:tabLst/>
+              <a:defRPr/>
+            </a:pPr>
+            <a:endParaRPr kumimoji="0" lang="en-US" sz="1800" b="0" i="0" u="none" strike="noStrike" kern="1200" cap="none" spc="0" normalizeH="0" baseline="0" noProof="0">
+              <a:ln>
+                <a:noFill/>
+              </a:ln>
+              <a:solidFill>
+                <a:prstClr val="white"/>
+              </a:solidFill>
+              <a:effectLst/>
+              <a:uLnTx/>
+              <a:uFillTx/>
+              <a:latin typeface="Calibri" panose="020F0502020204030204"/>
+              <a:ea typeface="+mn-ea"/>
+              <a:cs typeface="+mn-cs"/>
+            </a:endParaRPr>
+          </a:p>
+        </p:txBody>
+      </p:sp>
+      <p:sp>
+        <p:nvSpPr>
+          <p:cNvPr id="2" name="Title 1">
+            <a:extLst>
+              <a:ext uri="{FF2B5EF4-FFF2-40B4-BE49-F238E27FC236}">
+                <a16:creationId xmlns:a16="http://schemas.microsoft.com/office/drawing/2014/main" id="{FB4B0AD0-DD2B-0B56-A4A0-CF08A82407BB}"/>
+              </a:ext>
+            </a:extLst>
+          </p:cNvPr>
+          <p:cNvSpPr>
+            <a:spLocks noGrp="1"/>
+          </p:cNvSpPr>
+          <p:nvPr>
+            <p:ph type="ctrTitle"/>
+          </p:nvPr>
+        </p:nvSpPr>
+        <p:spPr>
+          <a:xfrm>
+            <a:off x="5491841" y="486176"/>
+            <a:ext cx="6372410" cy="5885648"/>
+          </a:xfrm>
+        </p:spPr>
+        <p:txBody>
+          <a:bodyPr anchor="b">
+            <a:noAutofit/>
+          </a:bodyPr>
+          <a:lstStyle/>
+          <a:p>
+            <a:pPr algn="l"/>
+            <a:r>
+              <a:rPr lang="en-US" dirty="0">
+                <a:solidFill>
+                  <a:schemeClr val="bg1"/>
+                </a:solidFill>
+                <a:latin typeface="Arial" panose="020B0604020202020204" pitchFamily="34" charset="0"/>
+                <a:cs typeface="Arial" panose="020B0604020202020204" pitchFamily="34" charset="0"/>
+              </a:rPr>
+              <a:t>Network Forensics and Protocols</a:t>
+            </a:r>
+          </a:p>
+        </p:txBody>
+      </p:sp>
+      <p:sp>
+        <p:nvSpPr>
+          <p:cNvPr id="11" name="Freeform: Shape 10">
+            <a:extLst>
+              <a:ext uri="{FF2B5EF4-FFF2-40B4-BE49-F238E27FC236}">
+                <a16:creationId xmlns:a16="http://schemas.microsoft.com/office/drawing/2014/main" id="{383030D3-8995-D753-96DF-01750B18E929}"/>
+              </a:ext>
+              <a:ext uri="{C183D7F6-B498-43B3-948B-1728B52AA6E4}">
+                <adec:decorative xmlns:adec="http://schemas.microsoft.com/office/drawing/2017/decorative" val="1"/>
+              </a:ext>
+            </a:extLst>
+          </p:cNvPr>
+          <p:cNvSpPr>
+            <a:spLocks noGrp="1" noRot="1" noChangeAspect="1" noMove="1" noResize="1" noEditPoints="1" noAdjustHandles="1" noChangeArrowheads="1" noChangeShapeType="1" noTextEdit="1"/>
+          </p:cNvSpPr>
+          <p:nvPr>
+            <p:extLst>
+              <p:ext uri="{386F3935-93C4-4BCD-93E2-E3B085C9AB24}">
+                <p16:designElem xmlns:p16="http://schemas.microsoft.com/office/powerpoint/2015/main" val="1"/>
+              </p:ext>
+            </p:extLst>
+          </p:nvPr>
+        </p:nvSpPr>
+        <p:spPr>
+          <a:xfrm flipH="1">
+            <a:off x="0" y="0"/>
+            <a:ext cx="6172782" cy="6858000"/>
+          </a:xfrm>
+          <a:custGeom>
+            <a:avLst/>
+            <a:gdLst>
+              <a:gd name="connsiteX0" fmla="*/ 6172782 w 6172782"/>
+              <a:gd name="connsiteY0" fmla="*/ 0 h 6858000"/>
+              <a:gd name="connsiteX1" fmla="*/ 69075 w 6172782"/>
+              <a:gd name="connsiteY1" fmla="*/ 0 h 6858000"/>
+              <a:gd name="connsiteX2" fmla="*/ 35131 w 6172782"/>
+              <a:gd name="connsiteY2" fmla="*/ 267128 h 6858000"/>
+              <a:gd name="connsiteX3" fmla="*/ 0 w 6172782"/>
+              <a:gd name="connsiteY3" fmla="*/ 962845 h 6858000"/>
+              <a:gd name="connsiteX4" fmla="*/ 3276103 w 6172782"/>
+              <a:gd name="connsiteY4" fmla="*/ 6782205 h 6858000"/>
+              <a:gd name="connsiteX5" fmla="*/ 3407923 w 6172782"/>
+              <a:gd name="connsiteY5" fmla="*/ 6858000 h 6858000"/>
+              <a:gd name="connsiteX6" fmla="*/ 6172782 w 6172782"/>
+              <a:gd name="connsiteY6" fmla="*/ 6858000 h 6858000"/>
+            </a:gdLst>
+            <a:ahLst/>
+            <a:cxnLst>
+              <a:cxn ang="0">
+                <a:pos x="connsiteX0" y="connsiteY0"/>
+              </a:cxn>
+              <a:cxn ang="0">
+                <a:pos x="connsiteX1" y="connsiteY1"/>
+              </a:cxn>
+              <a:cxn ang="0">
+                <a:pos x="connsiteX2" y="connsiteY2"/>
+              </a:cxn>
+              <a:cxn ang="0">
+                <a:pos x="connsiteX3" y="connsiteY3"/>
+              </a:cxn>
+              <a:cxn ang="0">
+                <a:pos x="connsiteX4" y="connsiteY4"/>
+              </a:cxn>
+              <a:cxn ang="0">
+                <a:pos x="connsiteX5" y="connsiteY5"/>
+              </a:cxn>
+              <a:cxn ang="0">
+                <a:pos x="connsiteX6" y="connsiteY6"/>
+              </a:cxn>
+            </a:cxnLst>
+            <a:rect l="l" t="t" r="r" b="b"/>
+            <a:pathLst>
+              <a:path w="6172782" h="6858000">
+                <a:moveTo>
+                  <a:pt x="6172782" y="0"/>
+                </a:moveTo>
+                <a:lnTo>
+                  <a:pt x="69075" y="0"/>
+                </a:lnTo>
+                <a:lnTo>
+                  <a:pt x="35131" y="267128"/>
+                </a:lnTo>
+                <a:cubicBezTo>
+                  <a:pt x="11901" y="495874"/>
+                  <a:pt x="0" y="727970"/>
+                  <a:pt x="0" y="962845"/>
+                </a:cubicBezTo>
+                <a:cubicBezTo>
+                  <a:pt x="0" y="3429034"/>
+                  <a:pt x="1312002" y="5588789"/>
+                  <a:pt x="3276103" y="6782205"/>
+                </a:cubicBezTo>
+                <a:lnTo>
+                  <a:pt x="3407923" y="6858000"/>
+                </a:lnTo>
+                <a:lnTo>
+                  <a:pt x="6172782" y="6858000"/>
+                </a:lnTo>
+                <a:close/>
+              </a:path>
+            </a:pathLst>
+          </a:custGeom>
+          <a:solidFill>
+            <a:schemeClr val="bg1">
+              <a:alpha val="80000"/>
+            </a:schemeClr>
+          </a:solidFill>
+          <a:ln>
+            <a:noFill/>
+          </a:ln>
+        </p:spPr>
+        <p:style>
+          <a:lnRef idx="2">
+            <a:schemeClr val="accent1">
+              <a:shade val="50000"/>
+            </a:schemeClr>
+          </a:lnRef>
+          <a:fillRef idx="1">
+            <a:schemeClr val="accent1"/>
+          </a:fillRef>
+          <a:effectRef idx="0">
+            <a:schemeClr val="accent1"/>
+          </a:effectRef>
+          <a:fontRef idx="minor">
+            <a:schemeClr val="lt1"/>
+          </a:fontRef>
+        </p:style>
+        <p:txBody>
+          <a:bodyPr wrap="square" rtlCol="0" anchor="ctr">
+            <a:noAutofit/>
+          </a:bodyPr>
+          <a:lstStyle/>
+          <a:p>
+            <a:pPr marL="0" marR="0" lvl="0" indent="0" algn="ctr" defTabSz="914400" rtl="0" eaLnBrk="1" fontAlgn="auto" latinLnBrk="0" hangingPunct="1">
+              <a:lnSpc>
+                <a:spcPct val="100000"/>
+              </a:lnSpc>
+              <a:spcBef>
+                <a:spcPts val="0"/>
+              </a:spcBef>
+              <a:spcAft>
+                <a:spcPts val="0"/>
+              </a:spcAft>
+              <a:buClrTx/>
+              <a:buSzTx/>
+              <a:buFontTx/>
+              <a:buNone/>
+              <a:tabLst/>
+              <a:defRPr/>
+            </a:pPr>
+            <a:endParaRPr kumimoji="0" lang="en-US" sz="1800" b="0" i="0" u="none" strike="noStrike" kern="1200" cap="none" spc="0" normalizeH="0" baseline="0" noProof="0">
+              <a:ln>
+                <a:noFill/>
+              </a:ln>
+              <a:solidFill>
+                <a:prstClr val="white"/>
+              </a:solidFill>
+              <a:effectLst/>
+              <a:uLnTx/>
+              <a:uFillTx/>
+              <a:latin typeface="Calibri" panose="020F0502020204030204"/>
+              <a:ea typeface="+mn-ea"/>
+              <a:cs typeface="+mn-cs"/>
+            </a:endParaRPr>
+          </a:p>
+        </p:txBody>
+      </p:sp>
+      <p:sp>
+        <p:nvSpPr>
+          <p:cNvPr id="13" name="Freeform: Shape 12">
+            <a:extLst>
+              <a:ext uri="{FF2B5EF4-FFF2-40B4-BE49-F238E27FC236}">
+                <a16:creationId xmlns:a16="http://schemas.microsoft.com/office/drawing/2014/main" id="{83142FAF-C51F-0F16-1F3D-0B2F00293A91}"/>
+              </a:ext>
+              <a:ext uri="{C183D7F6-B498-43B3-948B-1728B52AA6E4}">
+                <adec:decorative xmlns:adec="http://schemas.microsoft.com/office/drawing/2017/decorative" val="1"/>
+              </a:ext>
+            </a:extLst>
+          </p:cNvPr>
+          <p:cNvSpPr>
+            <a:spLocks noGrp="1" noRot="1" noChangeAspect="1" noMove="1" noResize="1" noEditPoints="1" noAdjustHandles="1" noChangeArrowheads="1" noChangeShapeType="1" noTextEdit="1"/>
+          </p:cNvSpPr>
+          <p:nvPr>
+            <p:extLst>
+              <p:ext uri="{386F3935-93C4-4BCD-93E2-E3B085C9AB24}">
+                <p16:designElem xmlns:p16="http://schemas.microsoft.com/office/powerpoint/2015/main" val="1"/>
+              </p:ext>
+            </p:extLst>
+          </p:nvPr>
+        </p:nvSpPr>
+        <p:spPr>
+          <a:xfrm>
+            <a:off x="0" y="0"/>
+            <a:ext cx="6024154" cy="6858000"/>
+          </a:xfrm>
+          <a:custGeom>
+            <a:avLst/>
+            <a:gdLst>
+              <a:gd name="connsiteX0" fmla="*/ 0 w 6024154"/>
+              <a:gd name="connsiteY0" fmla="*/ 0 h 6858000"/>
+              <a:gd name="connsiteX1" fmla="*/ 5953780 w 6024154"/>
+              <a:gd name="connsiteY1" fmla="*/ 0 h 6858000"/>
+              <a:gd name="connsiteX2" fmla="*/ 5989880 w 6024154"/>
+              <a:gd name="connsiteY2" fmla="*/ 284091 h 6858000"/>
+              <a:gd name="connsiteX3" fmla="*/ 6024154 w 6024154"/>
+              <a:gd name="connsiteY3" fmla="*/ 962844 h 6858000"/>
+              <a:gd name="connsiteX4" fmla="*/ 2549934 w 6024154"/>
+              <a:gd name="connsiteY4" fmla="*/ 6800152 h 6858000"/>
+              <a:gd name="connsiteX5" fmla="*/ 2436987 w 6024154"/>
+              <a:gd name="connsiteY5" fmla="*/ 6858000 h 6858000"/>
+              <a:gd name="connsiteX6" fmla="*/ 0 w 6024154"/>
+              <a:gd name="connsiteY6" fmla="*/ 6858000 h 6858000"/>
+            </a:gdLst>
+            <a:ahLst/>
+            <a:cxnLst>
+              <a:cxn ang="0">
+                <a:pos x="connsiteX0" y="connsiteY0"/>
+              </a:cxn>
+              <a:cxn ang="0">
+                <a:pos x="connsiteX1" y="connsiteY1"/>
+              </a:cxn>
+              <a:cxn ang="0">
+                <a:pos x="connsiteX2" y="connsiteY2"/>
+              </a:cxn>
+              <a:cxn ang="0">
+                <a:pos x="connsiteX3" y="connsiteY3"/>
+              </a:cxn>
+              <a:cxn ang="0">
+                <a:pos x="connsiteX4" y="connsiteY4"/>
+              </a:cxn>
+              <a:cxn ang="0">
+                <a:pos x="connsiteX5" y="connsiteY5"/>
+              </a:cxn>
+              <a:cxn ang="0">
+                <a:pos x="connsiteX6" y="connsiteY6"/>
+              </a:cxn>
+            </a:cxnLst>
+            <a:rect l="l" t="t" r="r" b="b"/>
+            <a:pathLst>
+              <a:path w="6024154" h="6858000">
+                <a:moveTo>
+                  <a:pt x="0" y="0"/>
+                </a:moveTo>
+                <a:lnTo>
+                  <a:pt x="5953780" y="0"/>
+                </a:lnTo>
+                <a:lnTo>
+                  <a:pt x="5989880" y="284091"/>
+                </a:lnTo>
+                <a:cubicBezTo>
+                  <a:pt x="6012544" y="507260"/>
+                  <a:pt x="6024154" y="733696"/>
+                  <a:pt x="6024154" y="962844"/>
+                </a:cubicBezTo>
+                <a:cubicBezTo>
+                  <a:pt x="6024154" y="3483472"/>
+                  <a:pt x="4619336" y="5675986"/>
+                  <a:pt x="2549934" y="6800152"/>
+                </a:cubicBezTo>
+                <a:lnTo>
+                  <a:pt x="2436987" y="6858000"/>
+                </a:lnTo>
+                <a:lnTo>
+                  <a:pt x="0" y="6858000"/>
+                </a:lnTo>
+                <a:close/>
+              </a:path>
+            </a:pathLst>
+          </a:custGeom>
+          <a:solidFill>
+            <a:schemeClr val="bg1"/>
+          </a:solidFill>
+          <a:ln>
+            <a:noFill/>
+          </a:ln>
+        </p:spPr>
+        <p:style>
+          <a:lnRef idx="2">
+            <a:schemeClr val="accent1">
+              <a:shade val="50000"/>
+            </a:schemeClr>
+          </a:lnRef>
+          <a:fillRef idx="1">
+            <a:schemeClr val="accent1"/>
+          </a:fillRef>
+          <a:effectRef idx="0">
+            <a:schemeClr val="accent1"/>
+          </a:effectRef>
+          <a:fontRef idx="minor">
+            <a:schemeClr val="lt1"/>
+          </a:fontRef>
+        </p:style>
+        <p:txBody>
+          <a:bodyPr wrap="square" rtlCol="0" anchor="ctr">
+            <a:noAutofit/>
+          </a:bodyPr>
+          <a:lstStyle/>
+          <a:p>
+            <a:pPr marL="0" marR="0" lvl="0" indent="0" algn="ctr" defTabSz="914400" rtl="0" eaLnBrk="1" fontAlgn="auto" latinLnBrk="0" hangingPunct="1">
+              <a:lnSpc>
+                <a:spcPct val="100000"/>
+              </a:lnSpc>
+              <a:spcBef>
+                <a:spcPts val="0"/>
+              </a:spcBef>
+              <a:spcAft>
+                <a:spcPts val="0"/>
+              </a:spcAft>
+              <a:buClrTx/>
+              <a:buSzTx/>
+              <a:buFontTx/>
+              <a:buNone/>
+              <a:tabLst/>
+              <a:defRPr/>
+            </a:pPr>
+            <a:endParaRPr kumimoji="0" lang="en-US" sz="1800" b="0" i="0" u="none" strike="noStrike" kern="1200" cap="none" spc="0" normalizeH="0" baseline="0" noProof="0">
+              <a:ln>
+                <a:noFill/>
+              </a:ln>
+              <a:solidFill>
+                <a:prstClr val="white"/>
+              </a:solidFill>
+              <a:effectLst/>
+              <a:uLnTx/>
+              <a:uFillTx/>
+              <a:latin typeface="Calibri" panose="020F0502020204030204"/>
+              <a:ea typeface="+mn-ea"/>
+              <a:cs typeface="+mn-cs"/>
+            </a:endParaRPr>
+          </a:p>
+        </p:txBody>
+      </p:sp>
+      <p:pic>
+        <p:nvPicPr>
+          <p:cNvPr id="4" name="Picture 3">
+            <a:extLst>
+              <a:ext uri="{FF2B5EF4-FFF2-40B4-BE49-F238E27FC236}">
+                <a16:creationId xmlns:a16="http://schemas.microsoft.com/office/drawing/2014/main" id="{82D0AAED-979A-9903-661B-90E2E7DE858C}"/>
+              </a:ext>
+            </a:extLst>
+          </p:cNvPr>
+          <p:cNvPicPr>
+            <a:picLocks noChangeAspect="1"/>
+          </p:cNvPicPr>
+          <p:nvPr/>
+        </p:nvPicPr>
+        <p:blipFill>
+          <a:blip r:embed="rId2"/>
+          <a:stretch>
+            <a:fillRect/>
+          </a:stretch>
+        </p:blipFill>
+        <p:spPr>
+          <a:xfrm>
+            <a:off x="314944" y="486176"/>
+            <a:ext cx="4739912" cy="2275156"/>
+          </a:xfrm>
+          <a:prstGeom prst="rect">
+            <a:avLst/>
+          </a:prstGeom>
+        </p:spPr>
+      </p:pic>
+      <p:sp>
+        <p:nvSpPr>
+          <p:cNvPr id="12" name="TextBox 11">
+            <a:extLst>
+              <a:ext uri="{FF2B5EF4-FFF2-40B4-BE49-F238E27FC236}">
+                <a16:creationId xmlns:a16="http://schemas.microsoft.com/office/drawing/2014/main" id="{C276530F-B728-7FB4-C5D1-BD318F083355}"/>
+              </a:ext>
+            </a:extLst>
+          </p:cNvPr>
+          <p:cNvSpPr txBox="1"/>
+          <p:nvPr/>
+        </p:nvSpPr>
+        <p:spPr>
+          <a:xfrm>
+            <a:off x="342628" y="3062842"/>
+            <a:ext cx="2669449" cy="369332"/>
+          </a:xfrm>
+          <a:prstGeom prst="rect">
+            <a:avLst/>
+          </a:prstGeom>
+          <a:noFill/>
+        </p:spPr>
+        <p:txBody>
+          <a:bodyPr wrap="none" rtlCol="0">
+            <a:spAutoFit/>
+          </a:bodyPr>
+          <a:lstStyle/>
+          <a:p>
+            <a:pPr marL="0" marR="0" lvl="0" indent="0" algn="l" defTabSz="914400" rtl="0" eaLnBrk="1" fontAlgn="auto" latinLnBrk="0" hangingPunct="1">
+              <a:lnSpc>
+                <a:spcPct val="100000"/>
+              </a:lnSpc>
+              <a:spcBef>
+                <a:spcPts val="0"/>
+              </a:spcBef>
+              <a:spcAft>
+                <a:spcPts val="0"/>
+              </a:spcAft>
+              <a:buClrTx/>
+              <a:buSzTx/>
+              <a:buFontTx/>
+              <a:buNone/>
+              <a:tabLst/>
+              <a:defRPr/>
+            </a:pPr>
+            <a:r>
+              <a:rPr kumimoji="0" lang="en-US" sz="1800" b="0" i="0" u="none" strike="noStrike" kern="1200" cap="none" spc="0" normalizeH="0" baseline="0" noProof="0" dirty="0">
+                <a:ln>
+                  <a:noFill/>
+                </a:ln>
+                <a:solidFill>
+                  <a:prstClr val="black"/>
+                </a:solidFill>
+                <a:effectLst/>
+                <a:uLnTx/>
+                <a:uFillTx/>
+                <a:latin typeface="Calibri" panose="020F0502020204030204"/>
+                <a:ea typeface="+mn-ea"/>
+                <a:cs typeface="+mn-cs"/>
+              </a:rPr>
+              <a:t>“From bits to information”</a:t>
+            </a:r>
+          </a:p>
+        </p:txBody>
+      </p:sp>
+      <p:cxnSp>
+        <p:nvCxnSpPr>
+          <p:cNvPr id="10" name="Straight Connector 9">
+            <a:extLst>
+              <a:ext uri="{FF2B5EF4-FFF2-40B4-BE49-F238E27FC236}">
+                <a16:creationId xmlns:a16="http://schemas.microsoft.com/office/drawing/2014/main" id="{FACD9789-8105-79A7-466C-C9104D1EB440}"/>
+              </a:ext>
+            </a:extLst>
+          </p:cNvPr>
+          <p:cNvCxnSpPr/>
+          <p:nvPr/>
+        </p:nvCxnSpPr>
+        <p:spPr>
+          <a:xfrm>
+            <a:off x="314944" y="2946948"/>
+            <a:ext cx="4930767" cy="0"/>
+          </a:xfrm>
+          <a:prstGeom prst="line">
+            <a:avLst/>
+          </a:prstGeom>
+          <a:ln w="57150">
+            <a:solidFill>
+              <a:srgbClr val="C00000"/>
+            </a:solidFill>
+          </a:ln>
+        </p:spPr>
+        <p:style>
+          <a:lnRef idx="1">
+            <a:schemeClr val="accent2"/>
+          </a:lnRef>
+          <a:fillRef idx="0">
+            <a:schemeClr val="accent2"/>
+          </a:fillRef>
+          <a:effectRef idx="0">
+            <a:schemeClr val="accent2"/>
+          </a:effectRef>
+          <a:fontRef idx="minor">
+            <a:schemeClr val="tx1"/>
+          </a:fontRef>
+        </p:style>
+      </p:cxnSp>
+    </p:spTree>
+    <p:extLst>
+      <p:ext uri="{BB962C8B-B14F-4D97-AF65-F5344CB8AC3E}">
+        <p14:creationId xmlns:p14="http://schemas.microsoft.com/office/powerpoint/2010/main" val="2137863964"/>
       </p:ext>
     </p:extLst>
   </p:cSld>

--- a/week08_network_forensics/lecture/unit10_networks.pptx
+++ b/week08_network_forensics/lecture/unit10_networks.pptx
@@ -228,7 +228,7 @@
           <a:p>
             <a:fld id="{9C28777B-0D96-E849-A49E-CE62BEE51368}" type="datetimeFigureOut">
               <a:rPr lang="en-US" smtClean="0"/>
-              <a:t>11/14/24</a:t>
+              <a:t>11/13/25</a:t>
             </a:fld>
             <a:endParaRPr lang="en-US"/>
           </a:p>
@@ -729,7 +729,7 @@
           <a:p>
             <a:fld id="{1BDF63E9-4DF1-474F-BE4B-468FAC9F57A9}" type="datetimeFigureOut">
               <a:rPr lang="en-US" smtClean="0"/>
-              <a:t>11/14/24</a:t>
+              <a:t>11/13/25</a:t>
             </a:fld>
             <a:endParaRPr lang="en-US"/>
           </a:p>
@@ -929,7 +929,7 @@
           <a:p>
             <a:fld id="{1BDF63E9-4DF1-474F-BE4B-468FAC9F57A9}" type="datetimeFigureOut">
               <a:rPr lang="en-US" smtClean="0"/>
-              <a:t>11/14/24</a:t>
+              <a:t>11/13/25</a:t>
             </a:fld>
             <a:endParaRPr lang="en-US"/>
           </a:p>
@@ -1139,7 +1139,7 @@
           <a:p>
             <a:fld id="{1BDF63E9-4DF1-474F-BE4B-468FAC9F57A9}" type="datetimeFigureOut">
               <a:rPr lang="en-US" smtClean="0"/>
-              <a:t>11/14/24</a:t>
+              <a:t>11/13/25</a:t>
             </a:fld>
             <a:endParaRPr lang="en-US"/>
           </a:p>
@@ -1339,7 +1339,7 @@
           <a:p>
             <a:fld id="{1BDF63E9-4DF1-474F-BE4B-468FAC9F57A9}" type="datetimeFigureOut">
               <a:rPr lang="en-US" smtClean="0"/>
-              <a:t>11/14/24</a:t>
+              <a:t>11/13/25</a:t>
             </a:fld>
             <a:endParaRPr lang="en-US"/>
           </a:p>
@@ -1615,7 +1615,7 @@
           <a:p>
             <a:fld id="{1BDF63E9-4DF1-474F-BE4B-468FAC9F57A9}" type="datetimeFigureOut">
               <a:rPr lang="en-US" smtClean="0"/>
-              <a:t>11/14/24</a:t>
+              <a:t>11/13/25</a:t>
             </a:fld>
             <a:endParaRPr lang="en-US"/>
           </a:p>
@@ -1883,7 +1883,7 @@
           <a:p>
             <a:fld id="{1BDF63E9-4DF1-474F-BE4B-468FAC9F57A9}" type="datetimeFigureOut">
               <a:rPr lang="en-US" smtClean="0"/>
-              <a:t>11/14/24</a:t>
+              <a:t>11/13/25</a:t>
             </a:fld>
             <a:endParaRPr lang="en-US"/>
           </a:p>
@@ -2298,7 +2298,7 @@
           <a:p>
             <a:fld id="{1BDF63E9-4DF1-474F-BE4B-468FAC9F57A9}" type="datetimeFigureOut">
               <a:rPr lang="en-US" smtClean="0"/>
-              <a:t>11/14/24</a:t>
+              <a:t>11/13/25</a:t>
             </a:fld>
             <a:endParaRPr lang="en-US"/>
           </a:p>
@@ -2440,7 +2440,7 @@
           <a:p>
             <a:fld id="{1BDF63E9-4DF1-474F-BE4B-468FAC9F57A9}" type="datetimeFigureOut">
               <a:rPr lang="en-US" smtClean="0"/>
-              <a:t>11/14/24</a:t>
+              <a:t>11/13/25</a:t>
             </a:fld>
             <a:endParaRPr lang="en-US"/>
           </a:p>
@@ -2553,7 +2553,7 @@
           <a:p>
             <a:fld id="{1BDF63E9-4DF1-474F-BE4B-468FAC9F57A9}" type="datetimeFigureOut">
               <a:rPr lang="en-US" smtClean="0"/>
-              <a:t>11/14/24</a:t>
+              <a:t>11/13/25</a:t>
             </a:fld>
             <a:endParaRPr lang="en-US"/>
           </a:p>
@@ -2866,7 +2866,7 @@
           <a:p>
             <a:fld id="{1BDF63E9-4DF1-474F-BE4B-468FAC9F57A9}" type="datetimeFigureOut">
               <a:rPr lang="en-US" smtClean="0"/>
-              <a:t>11/14/24</a:t>
+              <a:t>11/13/25</a:t>
             </a:fld>
             <a:endParaRPr lang="en-US"/>
           </a:p>
@@ -3155,7 +3155,7 @@
           <a:p>
             <a:fld id="{1BDF63E9-4DF1-474F-BE4B-468FAC9F57A9}" type="datetimeFigureOut">
               <a:rPr lang="en-US" smtClean="0"/>
-              <a:t>11/14/24</a:t>
+              <a:t>11/13/25</a:t>
             </a:fld>
             <a:endParaRPr lang="en-US"/>
           </a:p>
@@ -3398,7 +3398,7 @@
           <a:p>
             <a:fld id="{1BDF63E9-4DF1-474F-BE4B-468FAC9F57A9}" type="datetimeFigureOut">
               <a:rPr lang="en-US" smtClean="0"/>
-              <a:t>11/14/24</a:t>
+              <a:t>11/13/25</a:t>
             </a:fld>
             <a:endParaRPr lang="en-US"/>
           </a:p>
@@ -4371,10 +4371,10 @@
       </p:cxnSp>
       <p:pic>
         <p:nvPicPr>
-          <p:cNvPr id="5" name="Picture 4" descr="A screenshot of a computer&#10;&#10;Description automatically generated">
-            <a:extLst>
-              <a:ext uri="{FF2B5EF4-FFF2-40B4-BE49-F238E27FC236}">
-                <a16:creationId xmlns:a16="http://schemas.microsoft.com/office/drawing/2014/main" id="{F1273B4A-F760-35F8-B2D8-470E3EDC9821}"/>
+          <p:cNvPr id="6" name="Picture 5" descr="A screenshot of a computer&#10;&#10;AI-generated content may be incorrect.">
+            <a:extLst>
+              <a:ext uri="{FF2B5EF4-FFF2-40B4-BE49-F238E27FC236}">
+                <a16:creationId xmlns:a16="http://schemas.microsoft.com/office/drawing/2014/main" id="{54714B62-A344-EE08-F9F7-760268CD844E}"/>
               </a:ext>
             </a:extLst>
           </p:cNvPr>
@@ -4391,8 +4391,8 @@
         </p:blipFill>
         <p:spPr>
           <a:xfrm>
-            <a:off x="1942968" y="0"/>
-            <a:ext cx="7290741" cy="6858000"/>
+            <a:off x="3914137" y="0"/>
+            <a:ext cx="6699799" cy="6858000"/>
           </a:xfrm>
           <a:prstGeom prst="rect">
             <a:avLst/>
@@ -4443,7 +4443,7 @@
                                           </p:stCondLst>
                                         </p:cTn>
                                         <p:tgtEl>
-                                          <p:spTgt spid="5"/>
+                                          <p:spTgt spid="6"/>
                                         </p:tgtEl>
                                         <p:attrNameLst>
                                           <p:attrName>style.visibility</p:attrName>
@@ -4457,7 +4457,7 @@
                                       <p:cBhvr additive="base">
                                         <p:cTn id="7" dur="500" fill="hold"/>
                                         <p:tgtEl>
-                                          <p:spTgt spid="5"/>
+                                          <p:spTgt spid="6"/>
                                         </p:tgtEl>
                                         <p:attrNameLst>
                                           <p:attrName>ppt_x</p:attrName>
@@ -4480,7 +4480,7 @@
                                       <p:cBhvr additive="base">
                                         <p:cTn id="8" dur="500" fill="hold"/>
                                         <p:tgtEl>
-                                          <p:spTgt spid="5"/>
+                                          <p:spTgt spid="6"/>
                                         </p:tgtEl>
                                         <p:attrNameLst>
                                           <p:attrName>ppt_y</p:attrName>
@@ -9023,6 +9023,37 @@
           <a:xfrm>
             <a:off x="10043278" y="5684108"/>
             <a:ext cx="2148722" cy="1031386"/>
+          </a:xfrm>
+          <a:prstGeom prst="rect">
+            <a:avLst/>
+          </a:prstGeom>
+        </p:spPr>
+      </p:pic>
+      <p:pic>
+        <p:nvPicPr>
+          <p:cNvPr id="3" name="Picture 2" descr="A screenshot of a computer&#10;&#10;AI-generated content may be incorrect.">
+            <a:hlinkClick r:id="rId4"/>
+            <a:extLst>
+              <a:ext uri="{FF2B5EF4-FFF2-40B4-BE49-F238E27FC236}">
+                <a16:creationId xmlns:a16="http://schemas.microsoft.com/office/drawing/2014/main" id="{A058C437-16A3-CC19-BD9F-03872F475EE7}"/>
+              </a:ext>
+            </a:extLst>
+          </p:cNvPr>
+          <p:cNvPicPr>
+            <a:picLocks noChangeAspect="1"/>
+          </p:cNvPicPr>
+          <p:nvPr/>
+        </p:nvPicPr>
+        <p:blipFill>
+          <a:blip r:embed="rId5"/>
+          <a:stretch>
+            <a:fillRect/>
+          </a:stretch>
+        </p:blipFill>
+        <p:spPr>
+          <a:xfrm>
+            <a:off x="1031812" y="490393"/>
+            <a:ext cx="9694072" cy="5688199"/>
           </a:xfrm>
           <a:prstGeom prst="rect">
             <a:avLst/>
